--- a/Step07-Containerezation_presentation.pptx
+++ b/Step07-Containerezation_presentation.pptx
@@ -178,7 +178,7 @@
 <file path=ppt/revisionInfo.xml><?xml version="1.0" encoding="utf-8"?>
 <p1510:revInfo xmlns:a="http://schemas.openxmlformats.org/drawingml/2006/main" xmlns:r="http://schemas.openxmlformats.org/officeDocument/2006/relationships" xmlns:p1510="http://schemas.microsoft.com/office/powerpoint/2015/10/main">
   <p1510:revLst>
-    <p1510:client id="{52123596-3563-4175-A564-8A5D55C91DDD}" v="50" dt="2024-02-06T15:24:44.187"/>
+    <p1510:client id="{49E9F127-272C-4092-9506-AF6E24258C79}" v="1" dt="2024-02-26T15:02:00.195"/>
   </p1510:revLst>
 </p1510:revInfo>
 </file>
@@ -5922,6 +5922,38 @@
             <pc:docMk/>
             <pc:sldMk cId="2347286244" sldId="308"/>
             <ac:picMk id="6" creationId="{0617AFD0-0603-925A-5FD5-56C87DFDAB14}"/>
+          </ac:picMkLst>
+        </pc:picChg>
+      </pc:sldChg>
+    </pc:docChg>
+  </pc:docChgLst>
+  <pc:docChgLst>
+    <pc:chgData name="Ihor Aleksandrov" userId="c3051032-6b87-4db2-b257-777a0106fbd9" providerId="ADAL" clId="{49E9F127-272C-4092-9506-AF6E24258C79}"/>
+    <pc:docChg chg="custSel modSld">
+      <pc:chgData name="Ihor Aleksandrov" userId="c3051032-6b87-4db2-b257-777a0106fbd9" providerId="ADAL" clId="{49E9F127-272C-4092-9506-AF6E24258C79}" dt="2024-02-26T15:02:06.405" v="5" actId="1076"/>
+      <pc:docMkLst>
+        <pc:docMk/>
+      </pc:docMkLst>
+      <pc:sldChg chg="addSp delSp modSp mod">
+        <pc:chgData name="Ihor Aleksandrov" userId="c3051032-6b87-4db2-b257-777a0106fbd9" providerId="ADAL" clId="{49E9F127-272C-4092-9506-AF6E24258C79}" dt="2024-02-26T15:02:06.405" v="5" actId="1076"/>
+        <pc:sldMkLst>
+          <pc:docMk/>
+          <pc:sldMk cId="129948205" sldId="322"/>
+        </pc:sldMkLst>
+        <pc:picChg chg="add mod">
+          <ac:chgData name="Ihor Aleksandrov" userId="c3051032-6b87-4db2-b257-777a0106fbd9" providerId="ADAL" clId="{49E9F127-272C-4092-9506-AF6E24258C79}" dt="2024-02-26T15:02:06.405" v="5" actId="1076"/>
+          <ac:picMkLst>
+            <pc:docMk/>
+            <pc:sldMk cId="129948205" sldId="322"/>
+            <ac:picMk id="5" creationId="{906DDE06-9A31-97B5-5628-C2AF7DD333B4}"/>
+          </ac:picMkLst>
+        </pc:picChg>
+        <pc:picChg chg="del">
+          <ac:chgData name="Ihor Aleksandrov" userId="c3051032-6b87-4db2-b257-777a0106fbd9" providerId="ADAL" clId="{49E9F127-272C-4092-9506-AF6E24258C79}" dt="2024-02-26T15:01:57.545" v="0" actId="478"/>
+          <ac:picMkLst>
+            <pc:docMk/>
+            <pc:sldMk cId="129948205" sldId="322"/>
+            <ac:picMk id="7" creationId="{FA4F650A-3AB0-7A1F-73EC-9B6D623F077F}"/>
           </ac:picMkLst>
         </pc:picChg>
       </pc:sldChg>
@@ -9143,7 +9175,7 @@
           <a:p>
             <a:fld id="{14FB1113-EC1E-4052-ADC3-711A8186C8F9}" type="datetimeFigureOut">
               <a:rPr lang="ru-UA" smtClean="0"/>
-              <a:t>06.02.2024</a:t>
+              <a:t>26.02.2024</a:t>
             </a:fld>
             <a:endParaRPr lang="ru-UA"/>
           </a:p>
@@ -9560,7 +9592,7 @@
           <a:p>
             <a:fld id="{B4CA2E9F-C036-4A32-AF5C-CC6D750B084A}" type="datetime1">
               <a:rPr lang="ru-UA" smtClean="0"/>
-              <a:t>06.02.2024</a:t>
+              <a:t>26.02.2024</a:t>
             </a:fld>
             <a:endParaRPr lang="ru-UA"/>
           </a:p>
@@ -9764,7 +9796,7 @@
           <a:p>
             <a:fld id="{D74A68F2-9D3D-42AF-9C66-1BBF0C90D9DF}" type="datetime1">
               <a:rPr lang="ru-UA" smtClean="0"/>
-              <a:t>06.02.2024</a:t>
+              <a:t>26.02.2024</a:t>
             </a:fld>
             <a:endParaRPr lang="ru-UA"/>
           </a:p>
@@ -9978,7 +10010,7 @@
           <a:p>
             <a:fld id="{DF396ED6-5B9F-47D4-A05B-599A25745183}" type="datetime1">
               <a:rPr lang="ru-UA" smtClean="0"/>
-              <a:t>06.02.2024</a:t>
+              <a:t>26.02.2024</a:t>
             </a:fld>
             <a:endParaRPr lang="ru-UA"/>
           </a:p>
@@ -10182,7 +10214,7 @@
           <a:p>
             <a:fld id="{93998143-2163-45BC-87B6-CED328BB2975}" type="datetime1">
               <a:rPr lang="ru-UA" smtClean="0"/>
-              <a:t>06.02.2024</a:t>
+              <a:t>26.02.2024</a:t>
             </a:fld>
             <a:endParaRPr lang="ru-UA"/>
           </a:p>
@@ -10408,7 +10440,7 @@
           <a:p>
             <a:fld id="{1073AA48-CE81-4CF7-A9C2-CC94F1DB66A7}" type="datetime1">
               <a:rPr lang="ru-UA" smtClean="0"/>
-              <a:t>06.02.2024</a:t>
+              <a:t>26.02.2024</a:t>
             </a:fld>
             <a:endParaRPr lang="ru-UA"/>
           </a:p>
@@ -10612,7 +10644,7 @@
           <a:p>
             <a:fld id="{81F64568-4320-477D-9800-1B1C04993650}" type="datetime1">
               <a:rPr lang="ru-UA" smtClean="0"/>
-              <a:t>06.02.2024</a:t>
+              <a:t>26.02.2024</a:t>
             </a:fld>
             <a:endParaRPr lang="ru-UA"/>
           </a:p>
@@ -10892,7 +10924,7 @@
           <a:p>
             <a:fld id="{ABF6D6E6-990C-455C-8D2D-97D3A75E24D7}" type="datetime1">
               <a:rPr lang="ru-UA" smtClean="0"/>
-              <a:t>06.02.2024</a:t>
+              <a:t>26.02.2024</a:t>
             </a:fld>
             <a:endParaRPr lang="ru-UA"/>
           </a:p>
@@ -11164,7 +11196,7 @@
           <a:p>
             <a:fld id="{BEE3FC74-FE02-4F54-8925-3E7C0072559A}" type="datetime1">
               <a:rPr lang="ru-UA" smtClean="0"/>
-              <a:t>06.02.2024</a:t>
+              <a:t>26.02.2024</a:t>
             </a:fld>
             <a:endParaRPr lang="ru-UA"/>
           </a:p>
@@ -11583,7 +11615,7 @@
           <a:p>
             <a:fld id="{160734F8-93A2-459E-9F4D-ECB93C873059}" type="datetime1">
               <a:rPr lang="ru-UA" smtClean="0"/>
-              <a:t>06.02.2024</a:t>
+              <a:t>26.02.2024</a:t>
             </a:fld>
             <a:endParaRPr lang="ru-UA"/>
           </a:p>
@@ -11729,7 +11761,7 @@
           <a:p>
             <a:fld id="{812DB0CE-86EC-4BE7-9764-5C921B6D8153}" type="datetime1">
               <a:rPr lang="ru-UA" smtClean="0"/>
-              <a:t>06.02.2024</a:t>
+              <a:t>26.02.2024</a:t>
             </a:fld>
             <a:endParaRPr lang="ru-UA"/>
           </a:p>
@@ -11846,7 +11878,7 @@
           <a:p>
             <a:fld id="{C1FC47B5-0BCE-409D-94CC-4766153F87A1}" type="datetime1">
               <a:rPr lang="ru-UA" smtClean="0"/>
-              <a:t>06.02.2024</a:t>
+              <a:t>26.02.2024</a:t>
             </a:fld>
             <a:endParaRPr lang="ru-UA"/>
           </a:p>
@@ -12163,7 +12195,7 @@
           <a:p>
             <a:fld id="{E812A70B-C7EB-4E4B-82B1-B69A440E57D5}" type="datetime1">
               <a:rPr lang="ru-UA" smtClean="0"/>
-              <a:t>06.02.2024</a:t>
+              <a:t>26.02.2024</a:t>
             </a:fld>
             <a:endParaRPr lang="ru-UA"/>
           </a:p>
@@ -12456,7 +12488,7 @@
           <a:p>
             <a:fld id="{5E9E38B3-C491-4FCE-A72F-18D6F6680465}" type="datetime1">
               <a:rPr lang="ru-UA" smtClean="0"/>
-              <a:t>06.02.2024</a:t>
+              <a:t>26.02.2024</a:t>
             </a:fld>
             <a:endParaRPr lang="ru-UA"/>
           </a:p>
@@ -12703,7 +12735,7 @@
           <a:p>
             <a:fld id="{A0F489BB-B5F6-4564-B3B4-EF7E4A6AB19B}" type="datetime1">
               <a:rPr lang="ru-UA" smtClean="0"/>
-              <a:t>06.02.2024</a:t>
+              <a:t>26.02.2024</a:t>
             </a:fld>
             <a:endParaRPr lang="ru-UA"/>
           </a:p>
@@ -13278,7 +13310,7 @@
           <a:p>
             <a:fld id="{74B2FDF6-98B9-43B3-BE1C-8119DE30D3F8}" type="datetime1">
               <a:rPr lang="ru-UA" smtClean="0"/>
-              <a:t>06.02.2024</a:t>
+              <a:t>26.02.2024</a:t>
             </a:fld>
             <a:endParaRPr lang="ru-UA"/>
           </a:p>
@@ -17112,10 +17144,10 @@
       </p:sp>
       <p:pic>
         <p:nvPicPr>
-          <p:cNvPr id="7" name="Picture 6">
+          <p:cNvPr id="5" name="Picture 4" descr="A diagram of a network&#10;&#10;Description automatically generated">
             <a:extLst>
               <a:ext uri="{FF2B5EF4-FFF2-40B4-BE49-F238E27FC236}">
-                <a16:creationId xmlns:a16="http://schemas.microsoft.com/office/drawing/2014/main" id="{FA4F650A-3AB0-7A1F-73EC-9B6D623F077F}"/>
+                <a16:creationId xmlns:a16="http://schemas.microsoft.com/office/drawing/2014/main" id="{906DDE06-9A31-97B5-5628-C2AF7DD333B4}"/>
               </a:ext>
             </a:extLst>
           </p:cNvPr>
@@ -17125,15 +17157,21 @@
           <p:nvPr/>
         </p:nvPicPr>
         <p:blipFill>
-          <a:blip r:embed="rId2"/>
+          <a:blip r:embed="rId2">
+            <a:extLst>
+              <a:ext uri="{28A0092B-C50C-407E-A947-70E740481C1C}">
+                <a14:useLocalDpi xmlns:a14="http://schemas.microsoft.com/office/drawing/2010/main" val="0"/>
+              </a:ext>
+            </a:extLst>
+          </a:blip>
           <a:stretch>
             <a:fillRect/>
           </a:stretch>
         </p:blipFill>
         <p:spPr>
           <a:xfrm>
-            <a:off x="4455067" y="1868035"/>
-            <a:ext cx="6974904" cy="2745718"/>
+            <a:off x="4801455" y="868940"/>
+            <a:ext cx="6703889" cy="4519996"/>
           </a:xfrm>
           <a:prstGeom prst="rect">
             <a:avLst/>
